--- a/slide-decks/evaluator-optimizer-pattern.pptx
+++ b/slide-decks/evaluator-optimizer-pattern.pptx
@@ -4,11 +4,13 @@
   <p:sldMasterIdLst>
     <p:sldMasterId id="2147483660" r:id="rId1"/>
   </p:sldMasterIdLst>
+  <p:notesMasterIdLst>
+    <p:notesMasterId r:id="rId5"/>
+  </p:notesMasterIdLst>
   <p:sldIdLst>
-    <p:sldId id="264" r:id="rId2"/>
-    <p:sldId id="263" r:id="rId3"/>
-    <p:sldId id="267" r:id="rId4"/>
-    <p:sldId id="266" r:id="rId5"/>
+    <p:sldId id="263" r:id="rId2"/>
+    <p:sldId id="267" r:id="rId3"/>
+    <p:sldId id="266" r:id="rId4"/>
   </p:sldIdLst>
   <p:sldSz cx="12192000" cy="6858000"/>
   <p:notesSz cx="6858000" cy="9144000"/>
@@ -107,6 +109,11 @@
       </a:defRPr>
     </a:lvl9pPr>
   </p:defaultTextStyle>
+  <p:extLst>
+    <p:ext uri="{EFAFB233-063F-42B5-8137-9DF3F51BA10A}">
+      <p15:sldGuideLst xmlns:p15="http://schemas.microsoft.com/office/powerpoint/2012/main"/>
+    </p:ext>
+  </p:extLst>
 </p:presentation>
 </file>
 
@@ -1716,7 +1723,7 @@
   <dgm:whole/>
   <dgm:extLst>
     <a:ext uri="http://schemas.microsoft.com/office/drawing/2008/diagram">
-      <dsp:dataModelExt xmlns:dsp="http://schemas.microsoft.com/office/drawing/2008/diagram" relId="rId6" minVer="http://schemas.openxmlformats.org/drawingml/2006/diagram"/>
+      <dsp:dataModelExt xmlns:dsp="http://schemas.microsoft.com/office/drawing/2008/diagram" relId="rId7" minVer="http://schemas.openxmlformats.org/drawingml/2006/diagram"/>
     </a:ext>
     <a:ext uri="{C62137D5-CB1D-491B-B009-E17868A290BF}">
       <dgm14:recolorImg xmlns:dgm14="http://schemas.microsoft.com/office/drawing/2010/diagram" val="1"/>
@@ -4758,6 +4765,971 @@
 </dgm:styleDef>
 </file>
 
+<file path=ppt/notesMasters/notesMaster1.xml><?xml version="1.0" encoding="utf-8"?>
+<p:notesMaster xmlns:a="http://schemas.openxmlformats.org/drawingml/2006/main" xmlns:r="http://schemas.openxmlformats.org/officeDocument/2006/relationships" xmlns:p="http://schemas.openxmlformats.org/presentationml/2006/main">
+  <p:cSld>
+    <p:bg>
+      <p:bgRef idx="1001">
+        <a:schemeClr val="bg1"/>
+      </p:bgRef>
+    </p:bg>
+    <p:spTree>
+      <p:nvGrpSpPr>
+        <p:cNvPr id="1" name=""/>
+        <p:cNvGrpSpPr/>
+        <p:nvPr/>
+      </p:nvGrpSpPr>
+      <p:grpSpPr>
+        <a:xfrm>
+          <a:off x="0" y="0"/>
+          <a:ext cx="0" cy="0"/>
+          <a:chOff x="0" y="0"/>
+          <a:chExt cx="0" cy="0"/>
+        </a:xfrm>
+      </p:grpSpPr>
+      <p:sp>
+        <p:nvSpPr>
+          <p:cNvPr id="2" name="Header Placeholder 1"/>
+          <p:cNvSpPr>
+            <a:spLocks noGrp="1"/>
+          </p:cNvSpPr>
+          <p:nvPr>
+            <p:ph type="hdr" sz="quarter"/>
+          </p:nvPr>
+        </p:nvSpPr>
+        <p:spPr>
+          <a:xfrm>
+            <a:off x="0" y="0"/>
+            <a:ext cx="2971800" cy="458788"/>
+          </a:xfrm>
+          <a:prstGeom prst="rect">
+            <a:avLst/>
+          </a:prstGeom>
+        </p:spPr>
+        <p:txBody>
+          <a:bodyPr vert="horz" lIns="91440" tIns="45720" rIns="91440" bIns="45720" rtlCol="0"/>
+          <a:lstStyle>
+            <a:lvl1pPr algn="l">
+              <a:defRPr sz="1200"/>
+            </a:lvl1pPr>
+          </a:lstStyle>
+          <a:p>
+            <a:endParaRPr lang="en-AU"/>
+          </a:p>
+        </p:txBody>
+      </p:sp>
+      <p:sp>
+        <p:nvSpPr>
+          <p:cNvPr id="3" name="Date Placeholder 2"/>
+          <p:cNvSpPr>
+            <a:spLocks noGrp="1"/>
+          </p:cNvSpPr>
+          <p:nvPr>
+            <p:ph type="dt" idx="1"/>
+          </p:nvPr>
+        </p:nvSpPr>
+        <p:spPr>
+          <a:xfrm>
+            <a:off x="3884613" y="0"/>
+            <a:ext cx="2971800" cy="458788"/>
+          </a:xfrm>
+          <a:prstGeom prst="rect">
+            <a:avLst/>
+          </a:prstGeom>
+        </p:spPr>
+        <p:txBody>
+          <a:bodyPr vert="horz" lIns="91440" tIns="45720" rIns="91440" bIns="45720" rtlCol="0"/>
+          <a:lstStyle>
+            <a:lvl1pPr algn="r">
+              <a:defRPr sz="1200"/>
+            </a:lvl1pPr>
+          </a:lstStyle>
+          <a:p>
+            <a:fld id="{79E3789C-FF5F-4FE5-A768-9930E156F8E5}" type="datetimeFigureOut">
+              <a:rPr lang="en-AU" smtClean="0"/>
+              <a:t>1/09/2025</a:t>
+            </a:fld>
+            <a:endParaRPr lang="en-AU"/>
+          </a:p>
+        </p:txBody>
+      </p:sp>
+      <p:sp>
+        <p:nvSpPr>
+          <p:cNvPr id="4" name="Slide Image Placeholder 3"/>
+          <p:cNvSpPr>
+            <a:spLocks noGrp="1" noRot="1" noChangeAspect="1"/>
+          </p:cNvSpPr>
+          <p:nvPr>
+            <p:ph type="sldImg" idx="2"/>
+          </p:nvPr>
+        </p:nvSpPr>
+        <p:spPr>
+          <a:xfrm>
+            <a:off x="685800" y="1143000"/>
+            <a:ext cx="5486400" cy="3086100"/>
+          </a:xfrm>
+          <a:prstGeom prst="rect">
+            <a:avLst/>
+          </a:prstGeom>
+          <a:noFill/>
+          <a:ln w="12700">
+            <a:solidFill>
+              <a:prstClr val="black"/>
+            </a:solidFill>
+          </a:ln>
+        </p:spPr>
+        <p:txBody>
+          <a:bodyPr vert="horz" lIns="91440" tIns="45720" rIns="91440" bIns="45720" rtlCol="0" anchor="ctr"/>
+          <a:lstStyle/>
+          <a:p>
+            <a:endParaRPr lang="en-AU"/>
+          </a:p>
+        </p:txBody>
+      </p:sp>
+      <p:sp>
+        <p:nvSpPr>
+          <p:cNvPr id="5" name="Notes Placeholder 4"/>
+          <p:cNvSpPr>
+            <a:spLocks noGrp="1"/>
+          </p:cNvSpPr>
+          <p:nvPr>
+            <p:ph type="body" sz="quarter" idx="3"/>
+          </p:nvPr>
+        </p:nvSpPr>
+        <p:spPr>
+          <a:xfrm>
+            <a:off x="685800" y="4400550"/>
+            <a:ext cx="5486400" cy="3600450"/>
+          </a:xfrm>
+          <a:prstGeom prst="rect">
+            <a:avLst/>
+          </a:prstGeom>
+        </p:spPr>
+        <p:txBody>
+          <a:bodyPr vert="horz" lIns="91440" tIns="45720" rIns="91440" bIns="45720" rtlCol="0"/>
+          <a:lstStyle/>
+          <a:p>
+            <a:pPr lvl="0"/>
+            <a:r>
+              <a:rPr lang="en-US"/>
+              <a:t>Click to edit Master text styles</a:t>
+            </a:r>
+          </a:p>
+          <a:p>
+            <a:pPr lvl="1"/>
+            <a:r>
+              <a:rPr lang="en-US"/>
+              <a:t>Second level</a:t>
+            </a:r>
+          </a:p>
+          <a:p>
+            <a:pPr lvl="2"/>
+            <a:r>
+              <a:rPr lang="en-US"/>
+              <a:t>Third level</a:t>
+            </a:r>
+          </a:p>
+          <a:p>
+            <a:pPr lvl="3"/>
+            <a:r>
+              <a:rPr lang="en-US"/>
+              <a:t>Fourth level</a:t>
+            </a:r>
+          </a:p>
+          <a:p>
+            <a:pPr lvl="4"/>
+            <a:r>
+              <a:rPr lang="en-US"/>
+              <a:t>Fifth level</a:t>
+            </a:r>
+            <a:endParaRPr lang="en-AU"/>
+          </a:p>
+        </p:txBody>
+      </p:sp>
+      <p:sp>
+        <p:nvSpPr>
+          <p:cNvPr id="6" name="Footer Placeholder 5"/>
+          <p:cNvSpPr>
+            <a:spLocks noGrp="1"/>
+          </p:cNvSpPr>
+          <p:nvPr>
+            <p:ph type="ftr" sz="quarter" idx="4"/>
+          </p:nvPr>
+        </p:nvSpPr>
+        <p:spPr>
+          <a:xfrm>
+            <a:off x="0" y="8685213"/>
+            <a:ext cx="2971800" cy="458787"/>
+          </a:xfrm>
+          <a:prstGeom prst="rect">
+            <a:avLst/>
+          </a:prstGeom>
+        </p:spPr>
+        <p:txBody>
+          <a:bodyPr vert="horz" lIns="91440" tIns="45720" rIns="91440" bIns="45720" rtlCol="0" anchor="b"/>
+          <a:lstStyle>
+            <a:lvl1pPr algn="l">
+              <a:defRPr sz="1200"/>
+            </a:lvl1pPr>
+          </a:lstStyle>
+          <a:p>
+            <a:endParaRPr lang="en-AU"/>
+          </a:p>
+        </p:txBody>
+      </p:sp>
+      <p:sp>
+        <p:nvSpPr>
+          <p:cNvPr id="7" name="Slide Number Placeholder 6"/>
+          <p:cNvSpPr>
+            <a:spLocks noGrp="1"/>
+          </p:cNvSpPr>
+          <p:nvPr>
+            <p:ph type="sldNum" sz="quarter" idx="5"/>
+          </p:nvPr>
+        </p:nvSpPr>
+        <p:spPr>
+          <a:xfrm>
+            <a:off x="3884613" y="8685213"/>
+            <a:ext cx="2971800" cy="458787"/>
+          </a:xfrm>
+          <a:prstGeom prst="rect">
+            <a:avLst/>
+          </a:prstGeom>
+        </p:spPr>
+        <p:txBody>
+          <a:bodyPr vert="horz" lIns="91440" tIns="45720" rIns="91440" bIns="45720" rtlCol="0" anchor="b"/>
+          <a:lstStyle>
+            <a:lvl1pPr algn="r">
+              <a:defRPr sz="1200"/>
+            </a:lvl1pPr>
+          </a:lstStyle>
+          <a:p>
+            <a:fld id="{FD3C3EB0-1CA8-42D0-95B5-D8C239508327}" type="slidenum">
+              <a:rPr lang="en-AU" smtClean="0"/>
+              <a:t>‹#›</a:t>
+            </a:fld>
+            <a:endParaRPr lang="en-AU"/>
+          </a:p>
+        </p:txBody>
+      </p:sp>
+    </p:spTree>
+    <p:extLst>
+      <p:ext uri="{BB962C8B-B14F-4D97-AF65-F5344CB8AC3E}">
+        <p14:creationId xmlns:p14="http://schemas.microsoft.com/office/powerpoint/2010/main" val="2039547385"/>
+      </p:ext>
+    </p:extLst>
+  </p:cSld>
+  <p:clrMap bg1="lt1" tx1="dk1" bg2="lt2" tx2="dk2" accent1="accent1" accent2="accent2" accent3="accent3" accent4="accent4" accent5="accent5" accent6="accent6" hlink="hlink" folHlink="folHlink"/>
+  <p:notesStyle>
+    <a:lvl1pPr marL="0" algn="l" defTabSz="914400" rtl="0" eaLnBrk="1" latinLnBrk="0" hangingPunct="1">
+      <a:defRPr sz="1200" kern="1200">
+        <a:solidFill>
+          <a:schemeClr val="tx1"/>
+        </a:solidFill>
+        <a:latin typeface="+mn-lt"/>
+        <a:ea typeface="+mn-ea"/>
+        <a:cs typeface="+mn-cs"/>
+      </a:defRPr>
+    </a:lvl1pPr>
+    <a:lvl2pPr marL="457200" algn="l" defTabSz="914400" rtl="0" eaLnBrk="1" latinLnBrk="0" hangingPunct="1">
+      <a:defRPr sz="1200" kern="1200">
+        <a:solidFill>
+          <a:schemeClr val="tx1"/>
+        </a:solidFill>
+        <a:latin typeface="+mn-lt"/>
+        <a:ea typeface="+mn-ea"/>
+        <a:cs typeface="+mn-cs"/>
+      </a:defRPr>
+    </a:lvl2pPr>
+    <a:lvl3pPr marL="914400" algn="l" defTabSz="914400" rtl="0" eaLnBrk="1" latinLnBrk="0" hangingPunct="1">
+      <a:defRPr sz="1200" kern="1200">
+        <a:solidFill>
+          <a:schemeClr val="tx1"/>
+        </a:solidFill>
+        <a:latin typeface="+mn-lt"/>
+        <a:ea typeface="+mn-ea"/>
+        <a:cs typeface="+mn-cs"/>
+      </a:defRPr>
+    </a:lvl3pPr>
+    <a:lvl4pPr marL="1371600" algn="l" defTabSz="914400" rtl="0" eaLnBrk="1" latinLnBrk="0" hangingPunct="1">
+      <a:defRPr sz="1200" kern="1200">
+        <a:solidFill>
+          <a:schemeClr val="tx1"/>
+        </a:solidFill>
+        <a:latin typeface="+mn-lt"/>
+        <a:ea typeface="+mn-ea"/>
+        <a:cs typeface="+mn-cs"/>
+      </a:defRPr>
+    </a:lvl4pPr>
+    <a:lvl5pPr marL="1828800" algn="l" defTabSz="914400" rtl="0" eaLnBrk="1" latinLnBrk="0" hangingPunct="1">
+      <a:defRPr sz="1200" kern="1200">
+        <a:solidFill>
+          <a:schemeClr val="tx1"/>
+        </a:solidFill>
+        <a:latin typeface="+mn-lt"/>
+        <a:ea typeface="+mn-ea"/>
+        <a:cs typeface="+mn-cs"/>
+      </a:defRPr>
+    </a:lvl5pPr>
+    <a:lvl6pPr marL="2286000" algn="l" defTabSz="914400" rtl="0" eaLnBrk="1" latinLnBrk="0" hangingPunct="1">
+      <a:defRPr sz="1200" kern="1200">
+        <a:solidFill>
+          <a:schemeClr val="tx1"/>
+        </a:solidFill>
+        <a:latin typeface="+mn-lt"/>
+        <a:ea typeface="+mn-ea"/>
+        <a:cs typeface="+mn-cs"/>
+      </a:defRPr>
+    </a:lvl6pPr>
+    <a:lvl7pPr marL="2743200" algn="l" defTabSz="914400" rtl="0" eaLnBrk="1" latinLnBrk="0" hangingPunct="1">
+      <a:defRPr sz="1200" kern="1200">
+        <a:solidFill>
+          <a:schemeClr val="tx1"/>
+        </a:solidFill>
+        <a:latin typeface="+mn-lt"/>
+        <a:ea typeface="+mn-ea"/>
+        <a:cs typeface="+mn-cs"/>
+      </a:defRPr>
+    </a:lvl7pPr>
+    <a:lvl8pPr marL="3200400" algn="l" defTabSz="914400" rtl="0" eaLnBrk="1" latinLnBrk="0" hangingPunct="1">
+      <a:defRPr sz="1200" kern="1200">
+        <a:solidFill>
+          <a:schemeClr val="tx1"/>
+        </a:solidFill>
+        <a:latin typeface="+mn-lt"/>
+        <a:ea typeface="+mn-ea"/>
+        <a:cs typeface="+mn-cs"/>
+      </a:defRPr>
+    </a:lvl8pPr>
+    <a:lvl9pPr marL="3657600" algn="l" defTabSz="914400" rtl="0" eaLnBrk="1" latinLnBrk="0" hangingPunct="1">
+      <a:defRPr sz="1200" kern="1200">
+        <a:solidFill>
+          <a:schemeClr val="tx1"/>
+        </a:solidFill>
+        <a:latin typeface="+mn-lt"/>
+        <a:ea typeface="+mn-ea"/>
+        <a:cs typeface="+mn-cs"/>
+      </a:defRPr>
+    </a:lvl9pPr>
+  </p:notesStyle>
+</p:notesMaster>
+</file>
+
+<file path=ppt/notesSlides/notesSlide1.xml><?xml version="1.0" encoding="utf-8"?>
+<p:notes xmlns:a="http://schemas.openxmlformats.org/drawingml/2006/main" xmlns:r="http://schemas.openxmlformats.org/officeDocument/2006/relationships" xmlns:p="http://schemas.openxmlformats.org/presentationml/2006/main">
+  <p:cSld>
+    <p:spTree>
+      <p:nvGrpSpPr>
+        <p:cNvPr id="1" name=""/>
+        <p:cNvGrpSpPr/>
+        <p:nvPr/>
+      </p:nvGrpSpPr>
+      <p:grpSpPr>
+        <a:xfrm>
+          <a:off x="0" y="0"/>
+          <a:ext cx="0" cy="0"/>
+          <a:chOff x="0" y="0"/>
+          <a:chExt cx="0" cy="0"/>
+        </a:xfrm>
+      </p:grpSpPr>
+      <p:sp>
+        <p:nvSpPr>
+          <p:cNvPr id="2" name="Slide Image Placeholder 1"/>
+          <p:cNvSpPr>
+            <a:spLocks noGrp="1" noRot="1" noChangeAspect="1"/>
+          </p:cNvSpPr>
+          <p:nvPr>
+            <p:ph type="sldImg"/>
+          </p:nvPr>
+        </p:nvSpPr>
+        <p:spPr/>
+      </p:sp>
+      <p:sp>
+        <p:nvSpPr>
+          <p:cNvPr id="3" name="Notes Placeholder 2"/>
+          <p:cNvSpPr>
+            <a:spLocks noGrp="1"/>
+          </p:cNvSpPr>
+          <p:nvPr>
+            <p:ph type="body" idx="1"/>
+          </p:nvPr>
+        </p:nvSpPr>
+        <p:spPr/>
+        <p:txBody>
+          <a:bodyPr/>
+          <a:lstStyle/>
+          <a:p>
+            <a:pPr marL="0" marR="0" lvl="0" indent="0" algn="l" defTabSz="914400" rtl="0" eaLnBrk="1" fontAlgn="auto" latinLnBrk="0" hangingPunct="1">
+              <a:lnSpc>
+                <a:spcPct val="100000"/>
+              </a:lnSpc>
+              <a:spcBef>
+                <a:spcPts val="0"/>
+              </a:spcBef>
+              <a:spcAft>
+                <a:spcPts val="0"/>
+              </a:spcAft>
+              <a:buClrTx/>
+              <a:buSzTx/>
+              <a:buFontTx/>
+              <a:buNone/>
+              <a:tabLst/>
+              <a:defRPr/>
+            </a:pPr>
+            <a:r>
+              <a:rPr lang="en-AU" dirty="0"/>
+              <a:t>Hi everyone, welcome back to this series on building AI Agents with </a:t>
+            </a:r>
+            <a:r>
+              <a:rPr lang="en-AU" dirty="0" err="1"/>
+              <a:t>Dapr</a:t>
+            </a:r>
+            <a:r>
+              <a:rPr lang="en-AU" dirty="0"/>
+              <a:t> Agents!</a:t>
+            </a:r>
+          </a:p>
+          <a:p>
+            <a:endParaRPr lang="en-AU" dirty="0"/>
+          </a:p>
+          <a:p>
+            <a:r>
+              <a:rPr lang="en-AU" dirty="0"/>
+              <a:t>This is our final video of the series (or the planned one anyway) where we’ll take a look at the evaluator-optimizer pattern in </a:t>
+            </a:r>
+            <a:r>
+              <a:rPr lang="en-AU" dirty="0" err="1"/>
+              <a:t>Dapr</a:t>
+            </a:r>
+            <a:r>
+              <a:rPr lang="en-AU" dirty="0"/>
+              <a:t> Agents.</a:t>
+            </a:r>
+          </a:p>
+        </p:txBody>
+      </p:sp>
+      <p:sp>
+        <p:nvSpPr>
+          <p:cNvPr id="4" name="Slide Number Placeholder 3"/>
+          <p:cNvSpPr>
+            <a:spLocks noGrp="1"/>
+          </p:cNvSpPr>
+          <p:nvPr>
+            <p:ph type="sldNum" sz="quarter" idx="5"/>
+          </p:nvPr>
+        </p:nvSpPr>
+        <p:spPr/>
+        <p:txBody>
+          <a:bodyPr/>
+          <a:lstStyle/>
+          <a:p>
+            <a:fld id="{FD3C3EB0-1CA8-42D0-95B5-D8C239508327}" type="slidenum">
+              <a:rPr lang="en-AU" smtClean="0"/>
+              <a:t>1</a:t>
+            </a:fld>
+            <a:endParaRPr lang="en-AU"/>
+          </a:p>
+        </p:txBody>
+      </p:sp>
+    </p:spTree>
+    <p:extLst>
+      <p:ext uri="{BB962C8B-B14F-4D97-AF65-F5344CB8AC3E}">
+        <p14:creationId xmlns:p14="http://schemas.microsoft.com/office/powerpoint/2010/main" val="2342805326"/>
+      </p:ext>
+    </p:extLst>
+  </p:cSld>
+  <p:clrMapOvr>
+    <a:masterClrMapping/>
+  </p:clrMapOvr>
+</p:notes>
+</file>
+
+<file path=ppt/notesSlides/notesSlide2.xml><?xml version="1.0" encoding="utf-8"?>
+<p:notes xmlns:a="http://schemas.openxmlformats.org/drawingml/2006/main" xmlns:r="http://schemas.openxmlformats.org/officeDocument/2006/relationships" xmlns:p="http://schemas.openxmlformats.org/presentationml/2006/main">
+  <p:cSld>
+    <p:spTree>
+      <p:nvGrpSpPr>
+        <p:cNvPr id="1" name=""/>
+        <p:cNvGrpSpPr/>
+        <p:nvPr/>
+      </p:nvGrpSpPr>
+      <p:grpSpPr>
+        <a:xfrm>
+          <a:off x="0" y="0"/>
+          <a:ext cx="0" cy="0"/>
+          <a:chOff x="0" y="0"/>
+          <a:chExt cx="0" cy="0"/>
+        </a:xfrm>
+      </p:grpSpPr>
+      <p:sp>
+        <p:nvSpPr>
+          <p:cNvPr id="2" name="Slide Image Placeholder 1"/>
+          <p:cNvSpPr>
+            <a:spLocks noGrp="1" noRot="1" noChangeAspect="1"/>
+          </p:cNvSpPr>
+          <p:nvPr>
+            <p:ph type="sldImg"/>
+          </p:nvPr>
+        </p:nvSpPr>
+        <p:spPr/>
+      </p:sp>
+      <p:sp>
+        <p:nvSpPr>
+          <p:cNvPr id="3" name="Notes Placeholder 2"/>
+          <p:cNvSpPr>
+            <a:spLocks noGrp="1"/>
+          </p:cNvSpPr>
+          <p:nvPr>
+            <p:ph type="body" idx="1"/>
+          </p:nvPr>
+        </p:nvSpPr>
+        <p:spPr/>
+        <p:txBody>
+          <a:bodyPr/>
+          <a:lstStyle/>
+          <a:p>
+            <a:r>
+              <a:rPr lang="en-US" sz="1200" b="0" i="0" kern="1200" dirty="0">
+                <a:solidFill>
+                  <a:schemeClr val="tx1"/>
+                </a:solidFill>
+                <a:effectLst/>
+                <a:latin typeface="+mn-lt"/>
+                <a:ea typeface="+mn-ea"/>
+                <a:cs typeface="+mn-cs"/>
+              </a:rPr>
+              <a:t>The Evaluator-Optimizer pattern features two complementary LLM roles in a feedback loop: one generates content while another evaluates it, leading to iterative improvements until quality criteria are met.</a:t>
+            </a:r>
+          </a:p>
+          <a:p>
+            <a:endParaRPr lang="en-US" sz="1200" b="0" i="0" kern="1200" dirty="0">
+              <a:solidFill>
+                <a:schemeClr val="tx1"/>
+              </a:solidFill>
+              <a:effectLst/>
+              <a:latin typeface="+mn-lt"/>
+              <a:ea typeface="+mn-ea"/>
+              <a:cs typeface="+mn-cs"/>
+            </a:endParaRPr>
+          </a:p>
+          <a:p>
+            <a:r>
+              <a:rPr lang="en-US" sz="1200" b="1" i="0" kern="1200" dirty="0">
+                <a:solidFill>
+                  <a:schemeClr val="tx1"/>
+                </a:solidFill>
+                <a:effectLst/>
+                <a:latin typeface="+mn-lt"/>
+                <a:ea typeface="+mn-ea"/>
+                <a:cs typeface="+mn-cs"/>
+              </a:rPr>
+              <a:t>Use Cases</a:t>
+            </a:r>
+          </a:p>
+          <a:p>
+            <a:r>
+              <a:rPr lang="en-US" sz="1200" b="1" i="0" kern="1200" dirty="0">
+                <a:solidFill>
+                  <a:schemeClr val="tx1"/>
+                </a:solidFill>
+                <a:effectLst/>
+                <a:latin typeface="+mn-lt"/>
+                <a:ea typeface="+mn-ea"/>
+                <a:cs typeface="+mn-cs"/>
+              </a:rPr>
+              <a:t>Content Creation</a:t>
+            </a:r>
+            <a:r>
+              <a:rPr lang="en-US" sz="1200" b="0" i="0" kern="1200" dirty="0">
+                <a:solidFill>
+                  <a:schemeClr val="tx1"/>
+                </a:solidFill>
+                <a:effectLst/>
+                <a:latin typeface="+mn-lt"/>
+                <a:ea typeface="+mn-ea"/>
+                <a:cs typeface="+mn-cs"/>
+              </a:rPr>
+              <a:t>: Refining written content to match specific style guidelines or quality standards</a:t>
+            </a:r>
+          </a:p>
+          <a:p>
+            <a:r>
+              <a:rPr lang="en-US" sz="1200" b="1" i="0" kern="1200" dirty="0">
+                <a:solidFill>
+                  <a:schemeClr val="tx1"/>
+                </a:solidFill>
+                <a:effectLst/>
+                <a:latin typeface="+mn-lt"/>
+                <a:ea typeface="+mn-ea"/>
+                <a:cs typeface="+mn-cs"/>
+              </a:rPr>
+              <a:t>Translation</a:t>
+            </a:r>
+            <a:r>
+              <a:rPr lang="en-US" sz="1200" b="0" i="0" kern="1200" dirty="0">
+                <a:solidFill>
+                  <a:schemeClr val="tx1"/>
+                </a:solidFill>
+                <a:effectLst/>
+                <a:latin typeface="+mn-lt"/>
+                <a:ea typeface="+mn-ea"/>
+                <a:cs typeface="+mn-cs"/>
+              </a:rPr>
+              <a:t>: Improving literary translations that require nuanced understanding and expression</a:t>
+            </a:r>
+          </a:p>
+          <a:p>
+            <a:endParaRPr lang="en-AU" dirty="0"/>
+          </a:p>
+          <a:p>
+            <a:r>
+              <a:rPr lang="en-US" sz="1200" b="1" i="0" kern="1200" dirty="0">
+                <a:solidFill>
+                  <a:schemeClr val="tx1"/>
+                </a:solidFill>
+                <a:effectLst/>
+                <a:latin typeface="+mn-lt"/>
+                <a:ea typeface="+mn-ea"/>
+                <a:cs typeface="+mn-cs"/>
+              </a:rPr>
+              <a:t>How It Works</a:t>
+            </a:r>
+          </a:p>
+          <a:p>
+            <a:r>
+              <a:rPr lang="en-US" sz="1200" b="0" i="0" kern="1200" dirty="0">
+                <a:solidFill>
+                  <a:schemeClr val="tx1"/>
+                </a:solidFill>
+                <a:effectLst/>
+                <a:latin typeface="+mn-lt"/>
+                <a:ea typeface="+mn-ea"/>
+                <a:cs typeface="+mn-cs"/>
+              </a:rPr>
+              <a:t>The key components of this implementation are:</a:t>
+            </a:r>
+          </a:p>
+          <a:p>
+            <a:r>
+              <a:rPr lang="en-US" sz="1200" b="1" i="0" kern="1200" dirty="0">
+                <a:solidFill>
+                  <a:schemeClr val="tx1"/>
+                </a:solidFill>
+                <a:effectLst/>
+                <a:latin typeface="+mn-lt"/>
+                <a:ea typeface="+mn-ea"/>
+                <a:cs typeface="+mn-cs"/>
+              </a:rPr>
+              <a:t>Generator LLM</a:t>
+            </a:r>
+            <a:r>
+              <a:rPr lang="en-US" sz="1200" b="0" i="0" kern="1200" dirty="0">
+                <a:solidFill>
+                  <a:schemeClr val="tx1"/>
+                </a:solidFill>
+                <a:effectLst/>
+                <a:latin typeface="+mn-lt"/>
+                <a:ea typeface="+mn-ea"/>
+                <a:cs typeface="+mn-cs"/>
+              </a:rPr>
+              <a:t>: Creates or refines a travel plan based on user request and feedback</a:t>
+            </a:r>
+          </a:p>
+          <a:p>
+            <a:r>
+              <a:rPr lang="en-US" sz="1200" b="1" i="0" kern="1200" dirty="0">
+                <a:solidFill>
+                  <a:schemeClr val="tx1"/>
+                </a:solidFill>
+                <a:effectLst/>
+                <a:latin typeface="+mn-lt"/>
+                <a:ea typeface="+mn-ea"/>
+                <a:cs typeface="+mn-cs"/>
+              </a:rPr>
+              <a:t>Evaluator LLM</a:t>
+            </a:r>
+            <a:r>
+              <a:rPr lang="en-US" sz="1200" b="0" i="0" kern="1200" dirty="0">
+                <a:solidFill>
+                  <a:schemeClr val="tx1"/>
+                </a:solidFill>
+                <a:effectLst/>
+                <a:latin typeface="+mn-lt"/>
+                <a:ea typeface="+mn-ea"/>
+                <a:cs typeface="+mn-cs"/>
+              </a:rPr>
+              <a:t>: Scores the plan and provides structured feedback for improvement</a:t>
+            </a:r>
+          </a:p>
+          <a:p>
+            <a:r>
+              <a:rPr lang="en-US" sz="1200" b="1" i="0" kern="1200" dirty="0">
+                <a:solidFill>
+                  <a:schemeClr val="tx1"/>
+                </a:solidFill>
+                <a:effectLst/>
+                <a:latin typeface="+mn-lt"/>
+                <a:ea typeface="+mn-ea"/>
+                <a:cs typeface="+mn-cs"/>
+              </a:rPr>
+              <a:t>Feedback Loop</a:t>
+            </a:r>
+            <a:r>
+              <a:rPr lang="en-US" sz="1200" b="0" i="0" kern="1200" dirty="0">
+                <a:solidFill>
+                  <a:schemeClr val="tx1"/>
+                </a:solidFill>
+                <a:effectLst/>
+                <a:latin typeface="+mn-lt"/>
+                <a:ea typeface="+mn-ea"/>
+                <a:cs typeface="+mn-cs"/>
+              </a:rPr>
+              <a:t>: Enables a simple round of generation and evaluation</a:t>
+            </a:r>
+          </a:p>
+          <a:p>
+            <a:r>
+              <a:rPr lang="en-US" sz="1200" b="1" i="0" kern="1200" dirty="0">
+                <a:solidFill>
+                  <a:schemeClr val="tx1"/>
+                </a:solidFill>
+                <a:effectLst/>
+                <a:latin typeface="+mn-lt"/>
+                <a:ea typeface="+mn-ea"/>
+                <a:cs typeface="+mn-cs"/>
+              </a:rPr>
+              <a:t>Quality Criteria</a:t>
+            </a:r>
+            <a:r>
+              <a:rPr lang="en-US" sz="1200" b="0" i="0" kern="1200" dirty="0">
+                <a:solidFill>
+                  <a:schemeClr val="tx1"/>
+                </a:solidFill>
+                <a:effectLst/>
+                <a:latin typeface="+mn-lt"/>
+                <a:ea typeface="+mn-ea"/>
+                <a:cs typeface="+mn-cs"/>
+              </a:rPr>
+              <a:t>: Checks if the plan meets requirements or needs further refinement</a:t>
+            </a:r>
+          </a:p>
+          <a:p>
+            <a:r>
+              <a:rPr lang="en-US" sz="1200" b="0" i="0" kern="1200" dirty="0">
+                <a:solidFill>
+                  <a:schemeClr val="tx1"/>
+                </a:solidFill>
+                <a:effectLst/>
+                <a:latin typeface="+mn-lt"/>
+                <a:ea typeface="+mn-ea"/>
+                <a:cs typeface="+mn-cs"/>
+              </a:rPr>
+              <a:t>The implementation demonstrates how multiple LLMs can work together in a feedback loop to improve content quality </a:t>
+            </a:r>
+          </a:p>
+          <a:p>
+            <a:endParaRPr lang="en-AU" dirty="0"/>
+          </a:p>
+          <a:p>
+            <a:r>
+              <a:rPr lang="en-US" sz="1200" b="0" i="0" kern="1200" dirty="0">
+                <a:solidFill>
+                  <a:schemeClr val="tx1"/>
+                </a:solidFill>
+                <a:effectLst/>
+                <a:latin typeface="+mn-lt"/>
+                <a:ea typeface="+mn-ea"/>
+                <a:cs typeface="+mn-cs"/>
+              </a:rPr>
+              <a:t>This pattern is ideal when:</a:t>
+            </a:r>
+          </a:p>
+          <a:p>
+            <a:endParaRPr lang="en-US" sz="1200" b="0" i="0" kern="1200" dirty="0">
+              <a:solidFill>
+                <a:schemeClr val="tx1"/>
+              </a:solidFill>
+              <a:effectLst/>
+              <a:latin typeface="+mn-lt"/>
+              <a:ea typeface="+mn-ea"/>
+              <a:cs typeface="+mn-cs"/>
+            </a:endParaRPr>
+          </a:p>
+          <a:p>
+            <a:r>
+              <a:rPr lang="en-US" sz="1200" b="0" i="0" kern="1200" dirty="0">
+                <a:solidFill>
+                  <a:schemeClr val="tx1"/>
+                </a:solidFill>
+                <a:effectLst/>
+                <a:latin typeface="+mn-lt"/>
+                <a:ea typeface="+mn-ea"/>
+                <a:cs typeface="+mn-cs"/>
+              </a:rPr>
+              <a:t>There are clear evaluation criteria for the generated content</a:t>
+            </a:r>
+          </a:p>
+          <a:p>
+            <a:r>
+              <a:rPr lang="en-US" sz="1200" b="0" i="0" kern="1200" dirty="0">
+                <a:solidFill>
+                  <a:schemeClr val="tx1"/>
+                </a:solidFill>
+                <a:effectLst/>
+                <a:latin typeface="+mn-lt"/>
+                <a:ea typeface="+mn-ea"/>
+                <a:cs typeface="+mn-cs"/>
+              </a:rPr>
+              <a:t>Iterative refinement improves output quality</a:t>
+            </a:r>
+          </a:p>
+          <a:p>
+            <a:r>
+              <a:rPr lang="en-US" sz="1200" b="0" i="0" kern="1200" dirty="0">
+                <a:solidFill>
+                  <a:schemeClr val="tx1"/>
+                </a:solidFill>
+                <a:effectLst/>
+                <a:latin typeface="+mn-lt"/>
+                <a:ea typeface="+mn-ea"/>
+                <a:cs typeface="+mn-cs"/>
+              </a:rPr>
+              <a:t>LLM responses can be improved through explicit feedback</a:t>
+            </a:r>
+          </a:p>
+          <a:p>
+            <a:endParaRPr lang="en-AU" dirty="0"/>
+          </a:p>
+        </p:txBody>
+      </p:sp>
+      <p:sp>
+        <p:nvSpPr>
+          <p:cNvPr id="4" name="Slide Number Placeholder 3"/>
+          <p:cNvSpPr>
+            <a:spLocks noGrp="1"/>
+          </p:cNvSpPr>
+          <p:nvPr>
+            <p:ph type="sldNum" sz="quarter" idx="5"/>
+          </p:nvPr>
+        </p:nvSpPr>
+        <p:spPr/>
+        <p:txBody>
+          <a:bodyPr/>
+          <a:lstStyle/>
+          <a:p>
+            <a:fld id="{FD3C3EB0-1CA8-42D0-95B5-D8C239508327}" type="slidenum">
+              <a:rPr lang="en-AU" smtClean="0"/>
+              <a:t>2</a:t>
+            </a:fld>
+            <a:endParaRPr lang="en-AU"/>
+          </a:p>
+        </p:txBody>
+      </p:sp>
+    </p:spTree>
+    <p:extLst>
+      <p:ext uri="{BB962C8B-B14F-4D97-AF65-F5344CB8AC3E}">
+        <p14:creationId xmlns:p14="http://schemas.microsoft.com/office/powerpoint/2010/main" val="2497425132"/>
+      </p:ext>
+    </p:extLst>
+  </p:cSld>
+  <p:clrMapOvr>
+    <a:masterClrMapping/>
+  </p:clrMapOvr>
+</p:notes>
+</file>
+
+<file path=ppt/notesSlides/notesSlide3.xml><?xml version="1.0" encoding="utf-8"?>
+<p:notes xmlns:a="http://schemas.openxmlformats.org/drawingml/2006/main" xmlns:r="http://schemas.openxmlformats.org/officeDocument/2006/relationships" xmlns:p="http://schemas.openxmlformats.org/presentationml/2006/main">
+  <p:cSld>
+    <p:spTree>
+      <p:nvGrpSpPr>
+        <p:cNvPr id="1" name=""/>
+        <p:cNvGrpSpPr/>
+        <p:nvPr/>
+      </p:nvGrpSpPr>
+      <p:grpSpPr>
+        <a:xfrm>
+          <a:off x="0" y="0"/>
+          <a:ext cx="0" cy="0"/>
+          <a:chOff x="0" y="0"/>
+          <a:chExt cx="0" cy="0"/>
+        </a:xfrm>
+      </p:grpSpPr>
+      <p:sp>
+        <p:nvSpPr>
+          <p:cNvPr id="2" name="Slide Image Placeholder 1"/>
+          <p:cNvSpPr>
+            <a:spLocks noGrp="1" noRot="1" noChangeAspect="1"/>
+          </p:cNvSpPr>
+          <p:nvPr>
+            <p:ph type="sldImg"/>
+          </p:nvPr>
+        </p:nvSpPr>
+        <p:spPr/>
+      </p:sp>
+      <p:sp>
+        <p:nvSpPr>
+          <p:cNvPr id="3" name="Notes Placeholder 2"/>
+          <p:cNvSpPr>
+            <a:spLocks noGrp="1"/>
+          </p:cNvSpPr>
+          <p:nvPr>
+            <p:ph type="body" idx="1"/>
+          </p:nvPr>
+        </p:nvSpPr>
+        <p:spPr/>
+        <p:txBody>
+          <a:bodyPr/>
+          <a:lstStyle/>
+          <a:p>
+            <a:r>
+              <a:rPr lang="en-AU" dirty="0"/>
+              <a:t>Let’s see this in action! We’ll build a simple example of how we can implement the evaluator optimizer pattern in action, set up the different LLMs components that both generate content and then evaluate it as part of our feedback loop, and how that feedback loop returns a result that meets our </a:t>
+            </a:r>
+            <a:r>
+              <a:rPr lang="en-AU"/>
+              <a:t>quality criteria.</a:t>
+            </a:r>
+            <a:endParaRPr lang="en-AU" dirty="0"/>
+          </a:p>
+        </p:txBody>
+      </p:sp>
+      <p:sp>
+        <p:nvSpPr>
+          <p:cNvPr id="4" name="Slide Number Placeholder 3"/>
+          <p:cNvSpPr>
+            <a:spLocks noGrp="1"/>
+          </p:cNvSpPr>
+          <p:nvPr>
+            <p:ph type="sldNum" sz="quarter" idx="5"/>
+          </p:nvPr>
+        </p:nvSpPr>
+        <p:spPr/>
+        <p:txBody>
+          <a:bodyPr/>
+          <a:lstStyle/>
+          <a:p>
+            <a:fld id="{FD3C3EB0-1CA8-42D0-95B5-D8C239508327}" type="slidenum">
+              <a:rPr lang="en-AU" smtClean="0"/>
+              <a:t>3</a:t>
+            </a:fld>
+            <a:endParaRPr lang="en-AU"/>
+          </a:p>
+        </p:txBody>
+      </p:sp>
+    </p:spTree>
+    <p:extLst>
+      <p:ext uri="{BB962C8B-B14F-4D97-AF65-F5344CB8AC3E}">
+        <p14:creationId xmlns:p14="http://schemas.microsoft.com/office/powerpoint/2010/main" val="870264001"/>
+      </p:ext>
+    </p:extLst>
+  </p:cSld>
+  <p:clrMapOvr>
+    <a:masterClrMapping/>
+  </p:clrMapOvr>
+</p:notes>
+</file>
+
 <file path=ppt/slideLayouts/slideLayout1.xml><?xml version="1.0" encoding="utf-8"?>
 <p:sldLayout xmlns:a="http://schemas.openxmlformats.org/drawingml/2006/main" xmlns:r="http://schemas.openxmlformats.org/officeDocument/2006/relationships" xmlns:p="http://schemas.openxmlformats.org/presentationml/2006/main" showMasterSp="0" type="title" preserve="1">
   <p:cSld name="Title Slide">
@@ -4798,7 +5770,7 @@
           <a:p>
             <a:fld id="{7C33B979-8049-4E8C-861D-F3CFA5F3E937}" type="datetimeFigureOut">
               <a:rPr lang="en-AU" smtClean="0"/>
-              <a:t>30/08/2025</a:t>
+              <a:t>1/09/2025</a:t>
             </a:fld>
             <a:endParaRPr lang="en-AU"/>
           </a:p>
@@ -5119,7 +6091,7 @@
           <a:p>
             <a:fld id="{7C33B979-8049-4E8C-861D-F3CFA5F3E937}" type="datetimeFigureOut">
               <a:rPr lang="en-AU" smtClean="0"/>
-              <a:t>30/08/2025</a:t>
+              <a:t>1/09/2025</a:t>
             </a:fld>
             <a:endParaRPr lang="en-AU"/>
           </a:p>
@@ -5232,7 +6204,7 @@
           <a:p>
             <a:fld id="{7C33B979-8049-4E8C-861D-F3CFA5F3E937}" type="datetimeFigureOut">
               <a:rPr lang="en-AU" smtClean="0"/>
-              <a:t>30/08/2025</a:t>
+              <a:t>1/09/2025</a:t>
             </a:fld>
             <a:endParaRPr lang="en-AU"/>
           </a:p>
@@ -5520,7 +6492,7 @@
           <a:p>
             <a:fld id="{7C33B979-8049-4E8C-861D-F3CFA5F3E937}" type="datetimeFigureOut">
               <a:rPr lang="en-AU" smtClean="0"/>
-              <a:t>30/08/2025</a:t>
+              <a:t>1/09/2025</a:t>
             </a:fld>
             <a:endParaRPr lang="en-AU"/>
           </a:p>
@@ -5812,7 +6784,7 @@
           <a:p>
             <a:fld id="{7C33B979-8049-4E8C-861D-F3CFA5F3E937}" type="datetimeFigureOut">
               <a:rPr lang="en-AU" smtClean="0"/>
-              <a:t>30/08/2025</a:t>
+              <a:t>1/09/2025</a:t>
             </a:fld>
             <a:endParaRPr lang="en-AU"/>
           </a:p>
@@ -6146,7 +7118,7 @@
           <a:p>
             <a:fld id="{7C33B979-8049-4E8C-861D-F3CFA5F3E937}" type="datetimeFigureOut">
               <a:rPr lang="en-AU" smtClean="0"/>
-              <a:t>30/08/2025</a:t>
+              <a:t>1/09/2025</a:t>
             </a:fld>
             <a:endParaRPr lang="en-AU"/>
           </a:p>
@@ -6542,7 +7514,7 @@
           <a:p>
             <a:fld id="{7C33B979-8049-4E8C-861D-F3CFA5F3E937}" type="datetimeFigureOut">
               <a:rPr lang="en-AU" smtClean="0"/>
-              <a:t>30/08/2025</a:t>
+              <a:t>1/09/2025</a:t>
             </a:fld>
             <a:endParaRPr lang="en-AU"/>
           </a:p>
@@ -6929,7 +7901,7 @@
           <a:p>
             <a:fld id="{7C33B979-8049-4E8C-861D-F3CFA5F3E937}" type="datetimeFigureOut">
               <a:rPr lang="en-AU" smtClean="0"/>
-              <a:t>30/08/2025</a:t>
+              <a:t>1/09/2025</a:t>
             </a:fld>
             <a:endParaRPr lang="en-AU"/>
           </a:p>
@@ -7234,7 +8206,7 @@
           <a:p>
             <a:fld id="{7C33B979-8049-4E8C-861D-F3CFA5F3E937}" type="datetimeFigureOut">
               <a:rPr lang="en-AU" smtClean="0"/>
-              <a:t>30/08/2025</a:t>
+              <a:t>1/09/2025</a:t>
             </a:fld>
             <a:endParaRPr lang="en-AU"/>
           </a:p>
@@ -7479,7 +8451,7 @@
           <a:p>
             <a:fld id="{7C33B979-8049-4E8C-861D-F3CFA5F3E937}" type="datetimeFigureOut">
               <a:rPr lang="en-AU" smtClean="0"/>
-              <a:t>30/08/2025</a:t>
+              <a:t>1/09/2025</a:t>
             </a:fld>
             <a:endParaRPr lang="en-AU"/>
           </a:p>
@@ -7715,7 +8687,7 @@
           <a:p>
             <a:fld id="{7C33B979-8049-4E8C-861D-F3CFA5F3E937}" type="datetimeFigureOut">
               <a:rPr lang="en-AU" smtClean="0"/>
-              <a:t>30/08/2025</a:t>
+              <a:t>1/09/2025</a:t>
             </a:fld>
             <a:endParaRPr lang="en-AU"/>
           </a:p>
@@ -7999,7 +8971,7 @@
           <a:p>
             <a:fld id="{7C33B979-8049-4E8C-861D-F3CFA5F3E937}" type="datetimeFigureOut">
               <a:rPr lang="en-AU" smtClean="0"/>
-              <a:t>30/08/2025</a:t>
+              <a:t>1/09/2025</a:t>
             </a:fld>
             <a:endParaRPr lang="en-AU"/>
           </a:p>
@@ -8320,7 +9292,7 @@
           <a:p>
             <a:fld id="{7C33B979-8049-4E8C-861D-F3CFA5F3E937}" type="datetimeFigureOut">
               <a:rPr lang="en-AU" smtClean="0"/>
-              <a:t>30/08/2025</a:t>
+              <a:t>1/09/2025</a:t>
             </a:fld>
             <a:endParaRPr lang="en-AU"/>
           </a:p>
@@ -8579,7 +9551,7 @@
           <a:p>
             <a:fld id="{7C33B979-8049-4E8C-861D-F3CFA5F3E937}" type="datetimeFigureOut">
               <a:rPr lang="en-AU" smtClean="0"/>
-              <a:t>30/08/2025</a:t>
+              <a:t>1/09/2025</a:t>
             </a:fld>
             <a:endParaRPr lang="en-AU"/>
           </a:p>
@@ -8793,7 +9765,7 @@
           <a:p>
             <a:fld id="{7C33B979-8049-4E8C-861D-F3CFA5F3E937}" type="datetimeFigureOut">
               <a:rPr lang="en-AU" smtClean="0"/>
-              <a:t>30/08/2025</a:t>
+              <a:t>1/09/2025</a:t>
             </a:fld>
             <a:endParaRPr lang="en-AU"/>
           </a:p>
@@ -8991,7 +9963,7 @@
           <a:p>
             <a:fld id="{7C33B979-8049-4E8C-861D-F3CFA5F3E937}" type="datetimeFigureOut">
               <a:rPr lang="en-AU" smtClean="0"/>
-              <a:t>30/08/2025</a:t>
+              <a:t>1/09/2025</a:t>
             </a:fld>
             <a:endParaRPr lang="en-AU"/>
           </a:p>
@@ -9228,7 +10200,7 @@
           <a:p>
             <a:fld id="{7C33B979-8049-4E8C-861D-F3CFA5F3E937}" type="datetimeFigureOut">
               <a:rPr lang="en-AU" smtClean="0"/>
-              <a:t>30/08/2025</a:t>
+              <a:t>1/09/2025</a:t>
             </a:fld>
             <a:endParaRPr lang="en-AU"/>
           </a:p>
@@ -9443,7 +10415,7 @@
           <a:p>
             <a:fld id="{7C33B979-8049-4E8C-861D-F3CFA5F3E937}" type="datetimeFigureOut">
               <a:rPr lang="en-AU" smtClean="0"/>
-              <a:t>30/08/2025</a:t>
+              <a:t>1/09/2025</a:t>
             </a:fld>
             <a:endParaRPr lang="en-AU"/>
           </a:p>
@@ -9659,7 +10631,7 @@
           <a:p>
             <a:fld id="{7C33B979-8049-4E8C-861D-F3CFA5F3E937}" type="datetimeFigureOut">
               <a:rPr lang="en-AU" smtClean="0"/>
-              <a:t>30/08/2025</a:t>
+              <a:t>1/09/2025</a:t>
             </a:fld>
             <a:endParaRPr lang="en-AU"/>
           </a:p>
@@ -9874,7 +10846,7 @@
           <a:p>
             <a:fld id="{7C33B979-8049-4E8C-861D-F3CFA5F3E937}" type="datetimeFigureOut">
               <a:rPr lang="en-AU" smtClean="0"/>
-              <a:t>30/08/2025</a:t>
+              <a:t>1/09/2025</a:t>
             </a:fld>
             <a:endParaRPr lang="en-AU"/>
           </a:p>
@@ -10181,7 +11153,7 @@
           <a:p>
             <a:fld id="{7C33B979-8049-4E8C-861D-F3CFA5F3E937}" type="datetimeFigureOut">
               <a:rPr lang="en-AU" smtClean="0"/>
-              <a:t>30/08/2025</a:t>
+              <a:t>1/09/2025</a:t>
             </a:fld>
             <a:endParaRPr lang="en-AU"/>
           </a:p>
@@ -10541,7 +11513,7 @@
           <a:p>
             <a:fld id="{7C33B979-8049-4E8C-861D-F3CFA5F3E937}" type="datetimeFigureOut">
               <a:rPr lang="en-AU" smtClean="0"/>
-              <a:t>30/08/2025</a:t>
+              <a:t>1/09/2025</a:t>
             </a:fld>
             <a:endParaRPr lang="en-AU"/>
           </a:p>
@@ -10900,7 +11872,7 @@
           <a:p>
             <a:fld id="{7C33B979-8049-4E8C-861D-F3CFA5F3E937}" type="datetimeFigureOut">
               <a:rPr lang="en-AU" smtClean="0"/>
-              <a:t>30/08/2025</a:t>
+              <a:t>1/09/2025</a:t>
             </a:fld>
             <a:endParaRPr lang="en-AU"/>
           </a:p>
@@ -11134,7 +12106,7 @@
           <a:p>
             <a:fld id="{7C33B979-8049-4E8C-861D-F3CFA5F3E937}" type="datetimeFigureOut">
               <a:rPr lang="en-AU" smtClean="0"/>
-              <a:t>30/08/2025</a:t>
+              <a:t>1/09/2025</a:t>
             </a:fld>
             <a:endParaRPr lang="en-AU"/>
           </a:p>
@@ -11493,7 +12465,7 @@
           <a:p>
             <a:fld id="{7C33B979-8049-4E8C-861D-F3CFA5F3E937}" type="datetimeFigureOut">
               <a:rPr lang="en-AU" smtClean="0"/>
-              <a:t>30/08/2025</a:t>
+              <a:t>1/09/2025</a:t>
             </a:fld>
             <a:endParaRPr lang="en-AU"/>
           </a:p>
@@ -11823,7 +12795,7 @@
           <a:p>
             <a:fld id="{7C33B979-8049-4E8C-861D-F3CFA5F3E937}" type="datetimeFigureOut">
               <a:rPr lang="en-AU" smtClean="0"/>
-              <a:t>30/08/2025</a:t>
+              <a:t>1/09/2025</a:t>
             </a:fld>
             <a:endParaRPr lang="en-AU"/>
           </a:p>
@@ -12134,7 +13106,7 @@
           <a:p>
             <a:fld id="{7C33B979-8049-4E8C-861D-F3CFA5F3E937}" type="datetimeFigureOut">
               <a:rPr lang="en-AU" smtClean="0"/>
-              <a:t>30/08/2025</a:t>
+              <a:t>1/09/2025</a:t>
             </a:fld>
             <a:endParaRPr lang="en-AU"/>
           </a:p>
@@ -12481,7 +13453,7 @@
           <a:p>
             <a:fld id="{7C33B979-8049-4E8C-861D-F3CFA5F3E937}" type="datetimeFigureOut">
               <a:rPr lang="en-AU" smtClean="0"/>
-              <a:t>30/08/2025</a:t>
+              <a:t>1/09/2025</a:t>
             </a:fld>
             <a:endParaRPr lang="en-AU"/>
           </a:p>
@@ -12791,7 +13763,7 @@
           <a:p>
             <a:fld id="{7C33B979-8049-4E8C-861D-F3CFA5F3E937}" type="datetimeFigureOut">
               <a:rPr lang="en-AU" smtClean="0"/>
-              <a:t>30/08/2025</a:t>
+              <a:t>1/09/2025</a:t>
             </a:fld>
             <a:endParaRPr lang="en-AU"/>
           </a:p>
@@ -13127,7 +14099,7 @@
           <a:p>
             <a:fld id="{7C33B979-8049-4E8C-861D-F3CFA5F3E937}" type="datetimeFigureOut">
               <a:rPr lang="en-AU" smtClean="0"/>
-              <a:t>30/08/2025</a:t>
+              <a:t>1/09/2025</a:t>
             </a:fld>
             <a:endParaRPr lang="en-AU"/>
           </a:p>
@@ -13442,7 +14414,7 @@
           <a:p>
             <a:fld id="{7C33B979-8049-4E8C-861D-F3CFA5F3E937}" type="datetimeFigureOut">
               <a:rPr lang="en-AU" smtClean="0"/>
-              <a:t>30/08/2025</a:t>
+              <a:t>1/09/2025</a:t>
             </a:fld>
             <a:endParaRPr lang="en-AU"/>
           </a:p>
@@ -13789,7 +14761,7 @@
           <a:p>
             <a:fld id="{7C33B979-8049-4E8C-861D-F3CFA5F3E937}" type="datetimeFigureOut">
               <a:rPr lang="en-AU" smtClean="0"/>
-              <a:t>30/08/2025</a:t>
+              <a:t>1/09/2025</a:t>
             </a:fld>
             <a:endParaRPr lang="en-AU"/>
           </a:p>
@@ -14122,7 +15094,7 @@
           <a:p>
             <a:fld id="{7C33B979-8049-4E8C-861D-F3CFA5F3E937}" type="datetimeFigureOut">
               <a:rPr lang="en-AU" smtClean="0"/>
-              <a:t>30/08/2025</a:t>
+              <a:t>1/09/2025</a:t>
             </a:fld>
             <a:endParaRPr lang="en-AU"/>
           </a:p>
@@ -14471,7 +15443,7 @@
           <a:p>
             <a:fld id="{7C33B979-8049-4E8C-861D-F3CFA5F3E937}" type="datetimeFigureOut">
               <a:rPr lang="en-AU" smtClean="0"/>
-              <a:t>30/08/2025</a:t>
+              <a:t>1/09/2025</a:t>
             </a:fld>
             <a:endParaRPr lang="en-AU"/>
           </a:p>
@@ -14816,7 +15788,7 @@
           <a:p>
             <a:fld id="{7C33B979-8049-4E8C-861D-F3CFA5F3E937}" type="datetimeFigureOut">
               <a:rPr lang="en-AU" smtClean="0"/>
-              <a:t>30/08/2025</a:t>
+              <a:t>1/09/2025</a:t>
             </a:fld>
             <a:endParaRPr lang="en-AU"/>
           </a:p>
@@ -15158,7 +16130,7 @@
           <a:p>
             <a:fld id="{7C33B979-8049-4E8C-861D-F3CFA5F3E937}" type="datetimeFigureOut">
               <a:rPr lang="en-AU" smtClean="0"/>
-              <a:t>30/08/2025</a:t>
+              <a:t>1/09/2025</a:t>
             </a:fld>
             <a:endParaRPr lang="en-AU"/>
           </a:p>
@@ -15459,7 +16431,7 @@
           <a:p>
             <a:fld id="{7C33B979-8049-4E8C-861D-F3CFA5F3E937}" type="datetimeFigureOut">
               <a:rPr lang="en-AU" smtClean="0"/>
-              <a:t>30/08/2025</a:t>
+              <a:t>1/09/2025</a:t>
             </a:fld>
             <a:endParaRPr lang="en-AU"/>
           </a:p>
@@ -15721,7 +16693,7 @@
           <a:p>
             <a:fld id="{7C33B979-8049-4E8C-861D-F3CFA5F3E937}" type="datetimeFigureOut">
               <a:rPr lang="en-AU" smtClean="0"/>
-              <a:t>30/08/2025</a:t>
+              <a:t>1/09/2025</a:t>
             </a:fld>
             <a:endParaRPr lang="en-AU"/>
           </a:p>
@@ -16029,7 +17001,7 @@
           <a:p>
             <a:fld id="{7C33B979-8049-4E8C-861D-F3CFA5F3E937}" type="datetimeFigureOut">
               <a:rPr lang="en-AU" smtClean="0"/>
-              <a:t>30/08/2025</a:t>
+              <a:t>1/09/2025</a:t>
             </a:fld>
             <a:endParaRPr lang="en-AU"/>
           </a:p>
@@ -16353,7 +17325,7 @@
           <a:p>
             <a:fld id="{7C33B979-8049-4E8C-861D-F3CFA5F3E937}" type="datetimeFigureOut">
               <a:rPr lang="en-AU" smtClean="0"/>
-              <a:t>30/08/2025</a:t>
+              <a:t>1/09/2025</a:t>
             </a:fld>
             <a:endParaRPr lang="en-AU"/>
           </a:p>
@@ -16754,7 +17726,7 @@
           <a:p>
             <a:fld id="{7C33B979-8049-4E8C-861D-F3CFA5F3E937}" type="datetimeFigureOut">
               <a:rPr lang="en-AU" smtClean="0"/>
-              <a:t>30/08/2025</a:t>
+              <a:t>1/09/2025</a:t>
             </a:fld>
             <a:endParaRPr lang="en-AU"/>
           </a:p>
@@ -17078,7 +18050,7 @@
           <a:p>
             <a:fld id="{7C33B979-8049-4E8C-861D-F3CFA5F3E937}" type="datetimeFigureOut">
               <a:rPr lang="en-AU" smtClean="0"/>
-              <a:t>30/08/2025</a:t>
+              <a:t>1/09/2025</a:t>
             </a:fld>
             <a:endParaRPr lang="en-AU"/>
           </a:p>
@@ -17315,7 +18287,7 @@
           <a:p>
             <a:fld id="{7C33B979-8049-4E8C-861D-F3CFA5F3E937}" type="datetimeFigureOut">
               <a:rPr lang="en-AU" smtClean="0"/>
-              <a:t>30/08/2025</a:t>
+              <a:t>1/09/2025</a:t>
             </a:fld>
             <a:endParaRPr lang="en-AU"/>
           </a:p>
@@ -17607,7 +18579,7 @@
           <a:p>
             <a:fld id="{7C33B979-8049-4E8C-861D-F3CFA5F3E937}" type="datetimeFigureOut">
               <a:rPr lang="en-AU" smtClean="0"/>
-              <a:t>30/08/2025</a:t>
+              <a:t>1/09/2025</a:t>
             </a:fld>
             <a:endParaRPr lang="en-AU"/>
           </a:p>
@@ -17899,7 +18871,7 @@
           <a:p>
             <a:fld id="{7C33B979-8049-4E8C-861D-F3CFA5F3E937}" type="datetimeFigureOut">
               <a:rPr lang="en-AU" smtClean="0"/>
-              <a:t>30/08/2025</a:t>
+              <a:t>1/09/2025</a:t>
             </a:fld>
             <a:endParaRPr lang="en-AU"/>
           </a:p>
@@ -18099,7 +19071,7 @@
           <a:p>
             <a:fld id="{7C33B979-8049-4E8C-861D-F3CFA5F3E937}" type="datetimeFigureOut">
               <a:rPr lang="en-AU" smtClean="0"/>
-              <a:t>30/08/2025</a:t>
+              <a:t>1/09/2025</a:t>
             </a:fld>
             <a:endParaRPr lang="en-AU"/>
           </a:p>
@@ -18345,7 +19317,7 @@
           <a:p>
             <a:fld id="{7C33B979-8049-4E8C-861D-F3CFA5F3E937}" type="datetimeFigureOut">
               <a:rPr lang="en-AU" smtClean="0"/>
-              <a:t>30/08/2025</a:t>
+              <a:t>1/09/2025</a:t>
             </a:fld>
             <a:endParaRPr lang="en-AU"/>
           </a:p>
@@ -18655,7 +19627,7 @@
           <a:p>
             <a:fld id="{7C33B979-8049-4E8C-861D-F3CFA5F3E937}" type="datetimeFigureOut">
               <a:rPr lang="en-AU" smtClean="0"/>
-              <a:t>30/08/2025</a:t>
+              <a:t>1/09/2025</a:t>
             </a:fld>
             <a:endParaRPr lang="en-AU"/>
           </a:p>
@@ -18927,7 +19899,7 @@
           <a:p>
             <a:fld id="{7C33B979-8049-4E8C-861D-F3CFA5F3E937}" type="datetimeFigureOut">
               <a:rPr lang="en-AU" smtClean="0"/>
-              <a:t>30/08/2025</a:t>
+              <a:t>1/09/2025</a:t>
             </a:fld>
             <a:endParaRPr lang="en-AU"/>
           </a:p>
@@ -19233,7 +20205,7 @@
           <a:p>
             <a:fld id="{7C33B979-8049-4E8C-861D-F3CFA5F3E937}" type="datetimeFigureOut">
               <a:rPr lang="en-AU" smtClean="0"/>
-              <a:t>30/08/2025</a:t>
+              <a:t>1/09/2025</a:t>
             </a:fld>
             <a:endParaRPr lang="en-AU"/>
           </a:p>
@@ -19500,7 +20472,7 @@
           <a:p>
             <a:fld id="{7C33B979-8049-4E8C-861D-F3CFA5F3E937}" type="datetimeFigureOut">
               <a:rPr lang="en-AU" smtClean="0"/>
-              <a:t>30/08/2025</a:t>
+              <a:t>1/09/2025</a:t>
             </a:fld>
             <a:endParaRPr lang="en-AU"/>
           </a:p>
@@ -19815,7 +20787,7 @@
           <a:p>
             <a:fld id="{7C33B979-8049-4E8C-861D-F3CFA5F3E937}" type="datetimeFigureOut">
               <a:rPr lang="en-AU" smtClean="0"/>
-              <a:t>30/08/2025</a:t>
+              <a:t>1/09/2025</a:t>
             </a:fld>
             <a:endParaRPr lang="en-AU"/>
           </a:p>
@@ -20123,7 +21095,7 @@
           <a:p>
             <a:fld id="{7C33B979-8049-4E8C-861D-F3CFA5F3E937}" type="datetimeFigureOut">
               <a:rPr lang="en-AU" smtClean="0"/>
-              <a:t>30/08/2025</a:t>
+              <a:t>1/09/2025</a:t>
             </a:fld>
             <a:endParaRPr lang="en-AU"/>
           </a:p>
@@ -20329,7 +21301,7 @@
           <a:p>
             <a:fld id="{7C33B979-8049-4E8C-861D-F3CFA5F3E937}" type="datetimeFigureOut">
               <a:rPr lang="en-AU" smtClean="0"/>
-              <a:t>30/08/2025</a:t>
+              <a:t>1/09/2025</a:t>
             </a:fld>
             <a:endParaRPr lang="en-AU"/>
           </a:p>
@@ -20648,7 +21620,7 @@
           <a:p>
             <a:fld id="{7C33B979-8049-4E8C-861D-F3CFA5F3E937}" type="datetimeFigureOut">
               <a:rPr lang="en-AU" smtClean="0"/>
-              <a:t>30/08/2025</a:t>
+              <a:t>1/09/2025</a:t>
             </a:fld>
             <a:endParaRPr lang="en-AU"/>
           </a:p>
@@ -20956,7 +21928,7 @@
           <a:p>
             <a:fld id="{7C33B979-8049-4E8C-861D-F3CFA5F3E937}" type="datetimeFigureOut">
               <a:rPr lang="en-AU" smtClean="0"/>
-              <a:t>30/08/2025</a:t>
+              <a:t>1/09/2025</a:t>
             </a:fld>
             <a:endParaRPr lang="en-AU"/>
           </a:p>
@@ -21239,7 +22211,7 @@
           <a:p>
             <a:fld id="{7C33B979-8049-4E8C-861D-F3CFA5F3E937}" type="datetimeFigureOut">
               <a:rPr lang="en-AU" smtClean="0"/>
-              <a:t>30/08/2025</a:t>
+              <a:t>1/09/2025</a:t>
             </a:fld>
             <a:endParaRPr lang="en-AU"/>
           </a:p>
@@ -21481,7 +22453,7 @@
           <a:p>
             <a:fld id="{7C33B979-8049-4E8C-861D-F3CFA5F3E937}" type="datetimeFigureOut">
               <a:rPr lang="en-AU" smtClean="0"/>
-              <a:t>30/08/2025</a:t>
+              <a:t>1/09/2025</a:t>
             </a:fld>
             <a:endParaRPr lang="en-AU"/>
           </a:p>
@@ -21720,7 +22692,7 @@
           <a:p>
             <a:fld id="{7C33B979-8049-4E8C-861D-F3CFA5F3E937}" type="datetimeFigureOut">
               <a:rPr lang="en-AU" smtClean="0"/>
-              <a:t>30/08/2025</a:t>
+              <a:t>1/09/2025</a:t>
             </a:fld>
             <a:endParaRPr lang="en-AU"/>
           </a:p>
@@ -21973,7 +22945,7 @@
           <a:p>
             <a:fld id="{7C33B979-8049-4E8C-861D-F3CFA5F3E937}" type="datetimeFigureOut">
               <a:rPr lang="en-AU" smtClean="0"/>
-              <a:t>30/08/2025</a:t>
+              <a:t>1/09/2025</a:t>
             </a:fld>
             <a:endParaRPr lang="en-AU"/>
           </a:p>
@@ -22245,7 +23217,7 @@
           <a:p>
             <a:fld id="{7C33B979-8049-4E8C-861D-F3CFA5F3E937}" type="datetimeFigureOut">
               <a:rPr lang="en-AU" smtClean="0"/>
-              <a:t>30/08/2025</a:t>
+              <a:t>1/09/2025</a:t>
             </a:fld>
             <a:endParaRPr lang="en-AU"/>
           </a:p>
@@ -22669,7 +23641,7 @@
           <a:p>
             <a:fld id="{7C33B979-8049-4E8C-861D-F3CFA5F3E937}" type="datetimeFigureOut">
               <a:rPr lang="en-AU" smtClean="0"/>
-              <a:t>30/08/2025</a:t>
+              <a:t>1/09/2025</a:t>
             </a:fld>
             <a:endParaRPr lang="en-AU"/>
           </a:p>
@@ -22989,7 +23961,7 @@
           <a:p>
             <a:fld id="{7C33B979-8049-4E8C-861D-F3CFA5F3E937}" type="datetimeFigureOut">
               <a:rPr lang="en-AU" smtClean="0"/>
-              <a:t>30/08/2025</a:t>
+              <a:t>1/09/2025</a:t>
             </a:fld>
             <a:endParaRPr lang="en-AU"/>
           </a:p>
@@ -23540,7 +24512,7 @@
           <p:cNvPr id="4" name="Rectangle 3">
             <a:extLst>
               <a:ext uri="{FF2B5EF4-FFF2-40B4-BE49-F238E27FC236}">
-                <a16:creationId xmlns:a16="http://schemas.microsoft.com/office/drawing/2014/main" id="{31E6AA85-1E54-5F0C-E499-4F66D76AA329}"/>
+                <a16:creationId xmlns:a16="http://schemas.microsoft.com/office/drawing/2014/main" id="{15D73C47-2770-30A3-51F7-BA0B51D668C7}"/>
               </a:ext>
             </a:extLst>
           </p:cNvPr>
@@ -23581,129 +24553,6 @@
           </a:p>
         </p:txBody>
       </p:sp>
-      <p:pic>
-        <p:nvPicPr>
-          <p:cNvPr id="1026" name="Picture 2" descr="Home - Dapr Agents">
-            <a:extLst>
-              <a:ext uri="{FF2B5EF4-FFF2-40B4-BE49-F238E27FC236}">
-                <a16:creationId xmlns:a16="http://schemas.microsoft.com/office/drawing/2014/main" id="{3EA83C2E-55C9-5BAA-9DA7-6F7EAF3DADA5}"/>
-              </a:ext>
-            </a:extLst>
-          </p:cNvPr>
-          <p:cNvPicPr>
-            <a:picLocks noChangeAspect="1" noChangeArrowheads="1"/>
-          </p:cNvPicPr>
-          <p:nvPr/>
-        </p:nvPicPr>
-        <p:blipFill>
-          <a:blip r:embed="rId2">
-            <a:extLst>
-              <a:ext uri="{28A0092B-C50C-407E-A947-70E740481C1C}">
-                <a14:useLocalDpi xmlns:a14="http://schemas.microsoft.com/office/drawing/2010/main" val="0"/>
-              </a:ext>
-            </a:extLst>
-          </a:blip>
-          <a:srcRect/>
-          <a:stretch>
-            <a:fillRect/>
-          </a:stretch>
-        </p:blipFill>
-        <p:spPr bwMode="auto">
-          <a:xfrm>
-            <a:off x="2006930" y="942820"/>
-            <a:ext cx="4972360" cy="4972360"/>
-          </a:xfrm>
-          <a:prstGeom prst="rect">
-            <a:avLst/>
-          </a:prstGeom>
-          <a:noFill/>
-          <a:extLst>
-            <a:ext uri="{909E8E84-426E-40DD-AFC4-6F175D3DCCD1}">
-              <a14:hiddenFill xmlns:a14="http://schemas.microsoft.com/office/drawing/2010/main">
-                <a:solidFill>
-                  <a:srgbClr val="FFFFFF"/>
-                </a:solidFill>
-              </a14:hiddenFill>
-            </a:ext>
-          </a:extLst>
-        </p:spPr>
-      </p:pic>
-    </p:spTree>
-    <p:extLst>
-      <p:ext uri="{BB962C8B-B14F-4D97-AF65-F5344CB8AC3E}">
-        <p14:creationId xmlns:p14="http://schemas.microsoft.com/office/powerpoint/2010/main" val="1130843247"/>
-      </p:ext>
-    </p:extLst>
-  </p:cSld>
-  <p:clrMapOvr>
-    <a:masterClrMapping/>
-  </p:clrMapOvr>
-</p:sld>
-</file>
-
-<file path=ppt/slides/slide2.xml><?xml version="1.0" encoding="utf-8"?>
-<p:sld xmlns:a="http://schemas.openxmlformats.org/drawingml/2006/main" xmlns:r="http://schemas.openxmlformats.org/officeDocument/2006/relationships" xmlns:p="http://schemas.openxmlformats.org/presentationml/2006/main">
-  <p:cSld>
-    <p:spTree>
-      <p:nvGrpSpPr>
-        <p:cNvPr id="1" name=""/>
-        <p:cNvGrpSpPr/>
-        <p:nvPr/>
-      </p:nvGrpSpPr>
-      <p:grpSpPr>
-        <a:xfrm>
-          <a:off x="0" y="0"/>
-          <a:ext cx="0" cy="0"/>
-          <a:chOff x="0" y="0"/>
-          <a:chExt cx="0" cy="0"/>
-        </a:xfrm>
-      </p:grpSpPr>
-      <p:sp>
-        <p:nvSpPr>
-          <p:cNvPr id="4" name="Rectangle 3">
-            <a:extLst>
-              <a:ext uri="{FF2B5EF4-FFF2-40B4-BE49-F238E27FC236}">
-                <a16:creationId xmlns:a16="http://schemas.microsoft.com/office/drawing/2014/main" id="{15D73C47-2770-30A3-51F7-BA0B51D668C7}"/>
-              </a:ext>
-            </a:extLst>
-          </p:cNvPr>
-          <p:cNvSpPr/>
-          <p:nvPr/>
-        </p:nvSpPr>
-        <p:spPr>
-          <a:xfrm>
-            <a:off x="8953995" y="3764478"/>
-            <a:ext cx="3238005" cy="3093522"/>
-          </a:xfrm>
-          <a:prstGeom prst="rect">
-            <a:avLst/>
-          </a:prstGeom>
-        </p:spPr>
-        <p:style>
-          <a:lnRef idx="2">
-            <a:schemeClr val="accent1">
-              <a:shade val="15000"/>
-            </a:schemeClr>
-          </a:lnRef>
-          <a:fillRef idx="1">
-            <a:schemeClr val="accent1"/>
-          </a:fillRef>
-          <a:effectRef idx="0">
-            <a:schemeClr val="accent1"/>
-          </a:effectRef>
-          <a:fontRef idx="minor">
-            <a:schemeClr val="lt1"/>
-          </a:fontRef>
-        </p:style>
-        <p:txBody>
-          <a:bodyPr rtlCol="0" anchor="ctr"/>
-          <a:lstStyle/>
-          <a:p>
-            <a:pPr algn="ctr"/>
-            <a:endParaRPr lang="en-AU"/>
-          </a:p>
-        </p:txBody>
-      </p:sp>
       <p:graphicFrame>
         <p:nvGraphicFramePr>
           <p:cNvPr id="5" name="Diagram 4">
@@ -23722,7 +24571,7 @@
         </p:xfrm>
         <a:graphic>
           <a:graphicData uri="http://schemas.openxmlformats.org/drawingml/2006/diagram">
-            <dgm:relIds xmlns:dgm="http://schemas.openxmlformats.org/drawingml/2006/diagram" xmlns:r="http://schemas.openxmlformats.org/officeDocument/2006/relationships" r:dm="rId2" r:lo="rId3" r:qs="rId4" r:cs="rId5"/>
+            <dgm:relIds xmlns:dgm="http://schemas.openxmlformats.org/drawingml/2006/diagram" xmlns:r="http://schemas.openxmlformats.org/officeDocument/2006/relationships" r:dm="rId3" r:lo="rId4" r:qs="rId5" r:cs="rId6"/>
           </a:graphicData>
         </a:graphic>
       </p:graphicFrame>
@@ -23741,7 +24590,7 @@
           <p:nvPr/>
         </p:nvPicPr>
         <p:blipFill>
-          <a:blip r:embed="rId7">
+          <a:blip r:embed="rId8">
             <a:extLst>
               <a:ext uri="{28A0092B-C50C-407E-A947-70E740481C1C}">
                 <a14:useLocalDpi xmlns:a14="http://schemas.microsoft.com/office/drawing/2010/main" val="0"/>
@@ -23773,6 +24622,58 @@
           </a:extLst>
         </p:spPr>
       </p:pic>
+      <p:sp>
+        <p:nvSpPr>
+          <p:cNvPr id="2" name="Rectangle 1">
+            <a:extLst>
+              <a:ext uri="{FF2B5EF4-FFF2-40B4-BE49-F238E27FC236}">
+                <a16:creationId xmlns:a16="http://schemas.microsoft.com/office/drawing/2014/main" id="{0AC1B2AC-1935-FB02-5660-474831F939FE}"/>
+              </a:ext>
+            </a:extLst>
+          </p:cNvPr>
+          <p:cNvSpPr/>
+          <p:nvPr/>
+        </p:nvSpPr>
+        <p:spPr>
+          <a:xfrm>
+            <a:off x="6971260" y="4779758"/>
+            <a:ext cx="1680189" cy="1091922"/>
+          </a:xfrm>
+          <a:prstGeom prst="rect">
+            <a:avLst/>
+          </a:prstGeom>
+          <a:noFill/>
+          <a:ln w="63500">
+            <a:solidFill>
+              <a:srgbClr val="FF0000"/>
+            </a:solidFill>
+          </a:ln>
+        </p:spPr>
+        <p:style>
+          <a:lnRef idx="2">
+            <a:schemeClr val="accent1">
+              <a:shade val="15000"/>
+            </a:schemeClr>
+          </a:lnRef>
+          <a:fillRef idx="1">
+            <a:schemeClr val="accent1"/>
+          </a:fillRef>
+          <a:effectRef idx="0">
+            <a:schemeClr val="accent1"/>
+          </a:effectRef>
+          <a:fontRef idx="minor">
+            <a:schemeClr val="lt1"/>
+          </a:fontRef>
+        </p:style>
+        <p:txBody>
+          <a:bodyPr rtlCol="0" anchor="ctr"/>
+          <a:lstStyle/>
+          <a:p>
+            <a:pPr algn="ctr"/>
+            <a:endParaRPr lang="en-AU"/>
+          </a:p>
+        </p:txBody>
+      </p:sp>
     </p:spTree>
     <p:extLst>
       <p:ext uri="{BB962C8B-B14F-4D97-AF65-F5344CB8AC3E}">
@@ -23783,10 +24684,96 @@
   <p:clrMapOvr>
     <a:masterClrMapping/>
   </p:clrMapOvr>
+  <p:timing>
+    <p:tnLst>
+      <p:par>
+        <p:cTn id="1" dur="indefinite" restart="never" nodeType="tmRoot">
+          <p:childTnLst>
+            <p:seq concurrent="1" nextAc="seek">
+              <p:cTn id="2" dur="indefinite" nodeType="mainSeq">
+                <p:childTnLst>
+                  <p:par>
+                    <p:cTn id="3" fill="hold">
+                      <p:stCondLst>
+                        <p:cond delay="indefinite"/>
+                      </p:stCondLst>
+                      <p:childTnLst>
+                        <p:par>
+                          <p:cTn id="4" fill="hold">
+                            <p:stCondLst>
+                              <p:cond delay="0"/>
+                            </p:stCondLst>
+                            <p:childTnLst>
+                              <p:par>
+                                <p:cTn id="5" presetID="10" presetClass="entr" presetSubtype="0" fill="hold" grpId="0" nodeType="clickEffect">
+                                  <p:stCondLst>
+                                    <p:cond delay="0"/>
+                                  </p:stCondLst>
+                                  <p:childTnLst>
+                                    <p:set>
+                                      <p:cBhvr>
+                                        <p:cTn id="6" dur="1" fill="hold">
+                                          <p:stCondLst>
+                                            <p:cond delay="0"/>
+                                          </p:stCondLst>
+                                        </p:cTn>
+                                        <p:tgtEl>
+                                          <p:spTgt spid="2"/>
+                                        </p:tgtEl>
+                                        <p:attrNameLst>
+                                          <p:attrName>style.visibility</p:attrName>
+                                        </p:attrNameLst>
+                                      </p:cBhvr>
+                                      <p:to>
+                                        <p:strVal val="visible"/>
+                                      </p:to>
+                                    </p:set>
+                                    <p:animEffect transition="in" filter="fade">
+                                      <p:cBhvr>
+                                        <p:cTn id="7" dur="500"/>
+                                        <p:tgtEl>
+                                          <p:spTgt spid="2"/>
+                                        </p:tgtEl>
+                                      </p:cBhvr>
+                                    </p:animEffect>
+                                  </p:childTnLst>
+                                </p:cTn>
+                              </p:par>
+                            </p:childTnLst>
+                          </p:cTn>
+                        </p:par>
+                      </p:childTnLst>
+                    </p:cTn>
+                  </p:par>
+                </p:childTnLst>
+              </p:cTn>
+              <p:prevCondLst>
+                <p:cond evt="onPrev" delay="0">
+                  <p:tgtEl>
+                    <p:sldTgt/>
+                  </p:tgtEl>
+                </p:cond>
+              </p:prevCondLst>
+              <p:nextCondLst>
+                <p:cond evt="onNext" delay="0">
+                  <p:tgtEl>
+                    <p:sldTgt/>
+                  </p:tgtEl>
+                </p:cond>
+              </p:nextCondLst>
+            </p:seq>
+          </p:childTnLst>
+        </p:cTn>
+      </p:par>
+    </p:tnLst>
+    <p:bldLst>
+      <p:bldP spid="2" grpId="0" animBg="1"/>
+    </p:bldLst>
+  </p:timing>
 </p:sld>
 </file>
 
-<file path=ppt/slides/slide3.xml><?xml version="1.0" encoding="utf-8"?>
+<file path=ppt/slides/slide2.xml><?xml version="1.0" encoding="utf-8"?>
 <p:sld xmlns:a="http://schemas.openxmlformats.org/drawingml/2006/main" xmlns:r="http://schemas.openxmlformats.org/officeDocument/2006/relationships" xmlns:p="http://schemas.openxmlformats.org/presentationml/2006/main">
   <p:cSld>
     <p:spTree>
@@ -23905,7 +24892,7 @@
           <p:nvPr/>
         </p:nvPicPr>
         <p:blipFill>
-          <a:blip r:embed="rId2">
+          <a:blip r:embed="rId3">
             <a:extLst>
               <a:ext uri="{28A0092B-C50C-407E-A947-70E740481C1C}">
                 <a14:useLocalDpi xmlns:a14="http://schemas.microsoft.com/office/drawing/2010/main" val="0"/>
@@ -23952,7 +24939,7 @@
           <p:nvPr/>
         </p:nvPicPr>
         <p:blipFill>
-          <a:blip r:embed="rId3"/>
+          <a:blip r:embed="rId4"/>
           <a:stretch>
             <a:fillRect/>
           </a:stretch>
@@ -23977,10 +24964,22 @@
   <p:clrMapOvr>
     <a:masterClrMapping/>
   </p:clrMapOvr>
+  <mc:AlternateContent xmlns:mc="http://schemas.openxmlformats.org/markup-compatibility/2006">
+    <mc:Choice xmlns:p14="http://schemas.microsoft.com/office/powerpoint/2010/main" Requires="p14">
+      <p:transition spd="med" p14:dur="700">
+        <p:fade/>
+      </p:transition>
+    </mc:Choice>
+    <mc:Fallback>
+      <p:transition spd="med">
+        <p:fade/>
+      </p:transition>
+    </mc:Fallback>
+  </mc:AlternateContent>
 </p:sld>
 </file>
 
-<file path=ppt/slides/slide4.xml><?xml version="1.0" encoding="utf-8"?>
+<file path=ppt/slides/slide3.xml><?xml version="1.0" encoding="utf-8"?>
 <p:sld xmlns:a="http://schemas.openxmlformats.org/drawingml/2006/main" xmlns:r="http://schemas.openxmlformats.org/officeDocument/2006/relationships" xmlns:p="http://schemas.openxmlformats.org/presentationml/2006/main">
   <p:cSld>
     <p:spTree>
@@ -24091,7 +25090,37 @@
             </a:pPr>
             <a:r>
               <a:rPr lang="en-AU" dirty="0"/>
-              <a:t>Components of the pattern</a:t>
+              <a:t>Components of the pattern:</a:t>
+            </a:r>
+          </a:p>
+          <a:p>
+            <a:pPr lvl="1">
+              <a:buFont typeface="Wingdings" panose="05000000000000000000" pitchFamily="2" charset="2"/>
+              <a:buChar char="q"/>
+            </a:pPr>
+            <a:r>
+              <a:rPr lang="en-AU" dirty="0"/>
+              <a:t>Generator LLM</a:t>
+            </a:r>
+          </a:p>
+          <a:p>
+            <a:pPr lvl="1">
+              <a:buFont typeface="Wingdings" panose="05000000000000000000" pitchFamily="2" charset="2"/>
+              <a:buChar char="q"/>
+            </a:pPr>
+            <a:r>
+              <a:rPr lang="en-AU" dirty="0"/>
+              <a:t>Evaluator LLM</a:t>
+            </a:r>
+          </a:p>
+          <a:p>
+            <a:pPr lvl="1">
+              <a:buFont typeface="Wingdings" panose="05000000000000000000" pitchFamily="2" charset="2"/>
+              <a:buChar char="q"/>
+            </a:pPr>
+            <a:r>
+              <a:rPr lang="en-AU" dirty="0"/>
+              <a:t>Feedback Loops</a:t>
             </a:r>
           </a:p>
           <a:p>
@@ -24149,7 +25178,7 @@
           <p:nvPr/>
         </p:nvPicPr>
         <p:blipFill>
-          <a:blip r:embed="rId2">
+          <a:blip r:embed="rId3">
             <a:extLst>
               <a:ext uri="{28A0092B-C50C-407E-A947-70E740481C1C}">
                 <a14:useLocalDpi xmlns:a14="http://schemas.microsoft.com/office/drawing/2010/main" val="0"/>
@@ -24191,6 +25220,18 @@
   <p:clrMapOvr>
     <a:masterClrMapping/>
   </p:clrMapOvr>
+  <mc:AlternateContent xmlns:mc="http://schemas.openxmlformats.org/markup-compatibility/2006">
+    <mc:Choice xmlns:p14="http://schemas.microsoft.com/office/powerpoint/2010/main" Requires="p14">
+      <p:transition spd="med" p14:dur="700">
+        <p:fade/>
+      </p:transition>
+    </mc:Choice>
+    <mc:Fallback>
+      <p:transition spd="med">
+        <p:fade/>
+      </p:transition>
+    </mc:Fallback>
+  </mc:AlternateContent>
 </p:sld>
 </file>
 
@@ -24393,4 +25434,319 @@
     </a:ext>
   </a:extLst>
 </a:theme>
+</file>
+
+<file path=ppt/theme/theme2.xml><?xml version="1.0" encoding="utf-8"?>
+<a:theme xmlns:a="http://schemas.openxmlformats.org/drawingml/2006/main" name="Office Theme">
+  <a:themeElements>
+    <a:clrScheme name="Office">
+      <a:dk1>
+        <a:sysClr val="windowText" lastClr="000000"/>
+      </a:dk1>
+      <a:lt1>
+        <a:sysClr val="window" lastClr="FFFFFF"/>
+      </a:lt1>
+      <a:dk2>
+        <a:srgbClr val="0E2841"/>
+      </a:dk2>
+      <a:lt2>
+        <a:srgbClr val="E8E8E8"/>
+      </a:lt2>
+      <a:accent1>
+        <a:srgbClr val="156082"/>
+      </a:accent1>
+      <a:accent2>
+        <a:srgbClr val="E97132"/>
+      </a:accent2>
+      <a:accent3>
+        <a:srgbClr val="196B24"/>
+      </a:accent3>
+      <a:accent4>
+        <a:srgbClr val="0F9ED5"/>
+      </a:accent4>
+      <a:accent5>
+        <a:srgbClr val="A02B93"/>
+      </a:accent5>
+      <a:accent6>
+        <a:srgbClr val="4EA72E"/>
+      </a:accent6>
+      <a:hlink>
+        <a:srgbClr val="467886"/>
+      </a:hlink>
+      <a:folHlink>
+        <a:srgbClr val="96607D"/>
+      </a:folHlink>
+    </a:clrScheme>
+    <a:fontScheme name="Office">
+      <a:majorFont>
+        <a:latin typeface="Aptos Display" panose="02110004020202020204"/>
+        <a:ea typeface=""/>
+        <a:cs typeface=""/>
+        <a:font script="Jpan" typeface="游ゴシック Light"/>
+        <a:font script="Hang" typeface="맑은 고딕"/>
+        <a:font script="Hans" typeface="等线 Light"/>
+        <a:font script="Hant" typeface="新細明體"/>
+        <a:font script="Arab" typeface="Times New Roman"/>
+        <a:font script="Hebr" typeface="Times New Roman"/>
+        <a:font script="Thai" typeface="Angsana New"/>
+        <a:font script="Ethi" typeface="Nyala"/>
+        <a:font script="Beng" typeface="Vrinda"/>
+        <a:font script="Gujr" typeface="Shruti"/>
+        <a:font script="Khmr" typeface="MoolBoran"/>
+        <a:font script="Knda" typeface="Tunga"/>
+        <a:font script="Guru" typeface="Raavi"/>
+        <a:font script="Cans" typeface="Euphemia"/>
+        <a:font script="Cher" typeface="Plantagenet Cherokee"/>
+        <a:font script="Yiii" typeface="Microsoft Yi Baiti"/>
+        <a:font script="Tibt" typeface="Microsoft Himalaya"/>
+        <a:font script="Thaa" typeface="MV Boli"/>
+        <a:font script="Deva" typeface="Mangal"/>
+        <a:font script="Telu" typeface="Gautami"/>
+        <a:font script="Taml" typeface="Latha"/>
+        <a:font script="Syrc" typeface="Estrangelo Edessa"/>
+        <a:font script="Orya" typeface="Kalinga"/>
+        <a:font script="Mlym" typeface="Kartika"/>
+        <a:font script="Laoo" typeface="DokChampa"/>
+        <a:font script="Sinh" typeface="Iskoola Pota"/>
+        <a:font script="Mong" typeface="Mongolian Baiti"/>
+        <a:font script="Viet" typeface="Times New Roman"/>
+        <a:font script="Uigh" typeface="Microsoft Uighur"/>
+        <a:font script="Geor" typeface="Sylfaen"/>
+        <a:font script="Armn" typeface="Arial"/>
+        <a:font script="Bugi" typeface="Leelawadee UI"/>
+        <a:font script="Bopo" typeface="Microsoft JhengHei"/>
+        <a:font script="Java" typeface="Javanese Text"/>
+        <a:font script="Lisu" typeface="Segoe UI"/>
+        <a:font script="Mymr" typeface="Myanmar Text"/>
+        <a:font script="Nkoo" typeface="Ebrima"/>
+        <a:font script="Olck" typeface="Nirmala UI"/>
+        <a:font script="Osma" typeface="Ebrima"/>
+        <a:font script="Phag" typeface="Phagspa"/>
+        <a:font script="Syrn" typeface="Estrangelo Edessa"/>
+        <a:font script="Syrj" typeface="Estrangelo Edessa"/>
+        <a:font script="Syre" typeface="Estrangelo Edessa"/>
+        <a:font script="Sora" typeface="Nirmala UI"/>
+        <a:font script="Tale" typeface="Microsoft Tai Le"/>
+        <a:font script="Talu" typeface="Microsoft New Tai Lue"/>
+        <a:font script="Tfng" typeface="Ebrima"/>
+      </a:majorFont>
+      <a:minorFont>
+        <a:latin typeface="Aptos" panose="02110004020202020204"/>
+        <a:ea typeface=""/>
+        <a:cs typeface=""/>
+        <a:font script="Jpan" typeface="游ゴシック"/>
+        <a:font script="Hang" typeface="맑은 고딕"/>
+        <a:font script="Hans" typeface="等线"/>
+        <a:font script="Hant" typeface="新細明體"/>
+        <a:font script="Arab" typeface="Arial"/>
+        <a:font script="Hebr" typeface="Arial"/>
+        <a:font script="Thai" typeface="Cordia New"/>
+        <a:font script="Ethi" typeface="Nyala"/>
+        <a:font script="Beng" typeface="Vrinda"/>
+        <a:font script="Gujr" typeface="Shruti"/>
+        <a:font script="Khmr" typeface="DaunPenh"/>
+        <a:font script="Knda" typeface="Tunga"/>
+        <a:font script="Guru" typeface="Raavi"/>
+        <a:font script="Cans" typeface="Euphemia"/>
+        <a:font script="Cher" typeface="Plantagenet Cherokee"/>
+        <a:font script="Yiii" typeface="Microsoft Yi Baiti"/>
+        <a:font script="Tibt" typeface="Microsoft Himalaya"/>
+        <a:font script="Thaa" typeface="MV Boli"/>
+        <a:font script="Deva" typeface="Mangal"/>
+        <a:font script="Telu" typeface="Gautami"/>
+        <a:font script="Taml" typeface="Latha"/>
+        <a:font script="Syrc" typeface="Estrangelo Edessa"/>
+        <a:font script="Orya" typeface="Kalinga"/>
+        <a:font script="Mlym" typeface="Kartika"/>
+        <a:font script="Laoo" typeface="DokChampa"/>
+        <a:font script="Sinh" typeface="Iskoola Pota"/>
+        <a:font script="Mong" typeface="Mongolian Baiti"/>
+        <a:font script="Viet" typeface="Arial"/>
+        <a:font script="Uigh" typeface="Microsoft Uighur"/>
+        <a:font script="Geor" typeface="Sylfaen"/>
+        <a:font script="Armn" typeface="Arial"/>
+        <a:font script="Bugi" typeface="Leelawadee UI"/>
+        <a:font script="Bopo" typeface="Microsoft JhengHei"/>
+        <a:font script="Java" typeface="Javanese Text"/>
+        <a:font script="Lisu" typeface="Segoe UI"/>
+        <a:font script="Mymr" typeface="Myanmar Text"/>
+        <a:font script="Nkoo" typeface="Ebrima"/>
+        <a:font script="Olck" typeface="Nirmala UI"/>
+        <a:font script="Osma" typeface="Ebrima"/>
+        <a:font script="Phag" typeface="Phagspa"/>
+        <a:font script="Syrn" typeface="Estrangelo Edessa"/>
+        <a:font script="Syrj" typeface="Estrangelo Edessa"/>
+        <a:font script="Syre" typeface="Estrangelo Edessa"/>
+        <a:font script="Sora" typeface="Nirmala UI"/>
+        <a:font script="Tale" typeface="Microsoft Tai Le"/>
+        <a:font script="Talu" typeface="Microsoft New Tai Lue"/>
+        <a:font script="Tfng" typeface="Ebrima"/>
+      </a:minorFont>
+    </a:fontScheme>
+    <a:fmtScheme name="Office">
+      <a:fillStyleLst>
+        <a:solidFill>
+          <a:schemeClr val="phClr"/>
+        </a:solidFill>
+        <a:gradFill rotWithShape="1">
+          <a:gsLst>
+            <a:gs pos="0">
+              <a:schemeClr val="phClr">
+                <a:lumMod val="110000"/>
+                <a:satMod val="105000"/>
+                <a:tint val="67000"/>
+              </a:schemeClr>
+            </a:gs>
+            <a:gs pos="50000">
+              <a:schemeClr val="phClr">
+                <a:lumMod val="105000"/>
+                <a:satMod val="103000"/>
+                <a:tint val="73000"/>
+              </a:schemeClr>
+            </a:gs>
+            <a:gs pos="100000">
+              <a:schemeClr val="phClr">
+                <a:lumMod val="105000"/>
+                <a:satMod val="109000"/>
+                <a:tint val="81000"/>
+              </a:schemeClr>
+            </a:gs>
+          </a:gsLst>
+          <a:lin ang="5400000" scaled="0"/>
+        </a:gradFill>
+        <a:gradFill rotWithShape="1">
+          <a:gsLst>
+            <a:gs pos="0">
+              <a:schemeClr val="phClr">
+                <a:satMod val="103000"/>
+                <a:lumMod val="102000"/>
+                <a:tint val="94000"/>
+              </a:schemeClr>
+            </a:gs>
+            <a:gs pos="50000">
+              <a:schemeClr val="phClr">
+                <a:satMod val="110000"/>
+                <a:lumMod val="100000"/>
+                <a:shade val="100000"/>
+              </a:schemeClr>
+            </a:gs>
+            <a:gs pos="100000">
+              <a:schemeClr val="phClr">
+                <a:lumMod val="99000"/>
+                <a:satMod val="120000"/>
+                <a:shade val="78000"/>
+              </a:schemeClr>
+            </a:gs>
+          </a:gsLst>
+          <a:lin ang="5400000" scaled="0"/>
+        </a:gradFill>
+      </a:fillStyleLst>
+      <a:lnStyleLst>
+        <a:ln w="12700" cap="flat" cmpd="sng" algn="ctr">
+          <a:solidFill>
+            <a:schemeClr val="phClr"/>
+          </a:solidFill>
+          <a:prstDash val="solid"/>
+          <a:miter lim="800000"/>
+        </a:ln>
+        <a:ln w="19050" cap="flat" cmpd="sng" algn="ctr">
+          <a:solidFill>
+            <a:schemeClr val="phClr"/>
+          </a:solidFill>
+          <a:prstDash val="solid"/>
+          <a:miter lim="800000"/>
+        </a:ln>
+        <a:ln w="25400" cap="flat" cmpd="sng" algn="ctr">
+          <a:solidFill>
+            <a:schemeClr val="phClr"/>
+          </a:solidFill>
+          <a:prstDash val="solid"/>
+          <a:miter lim="800000"/>
+        </a:ln>
+      </a:lnStyleLst>
+      <a:effectStyleLst>
+        <a:effectStyle>
+          <a:effectLst/>
+        </a:effectStyle>
+        <a:effectStyle>
+          <a:effectLst/>
+        </a:effectStyle>
+        <a:effectStyle>
+          <a:effectLst>
+            <a:outerShdw blurRad="57150" dist="19050" dir="5400000" algn="ctr" rotWithShape="0">
+              <a:srgbClr val="000000">
+                <a:alpha val="63000"/>
+              </a:srgbClr>
+            </a:outerShdw>
+          </a:effectLst>
+        </a:effectStyle>
+      </a:effectStyleLst>
+      <a:bgFillStyleLst>
+        <a:solidFill>
+          <a:schemeClr val="phClr"/>
+        </a:solidFill>
+        <a:solidFill>
+          <a:schemeClr val="phClr">
+            <a:tint val="95000"/>
+            <a:satMod val="170000"/>
+          </a:schemeClr>
+        </a:solidFill>
+        <a:gradFill rotWithShape="1">
+          <a:gsLst>
+            <a:gs pos="0">
+              <a:schemeClr val="phClr">
+                <a:tint val="93000"/>
+                <a:satMod val="150000"/>
+                <a:shade val="98000"/>
+                <a:lumMod val="102000"/>
+              </a:schemeClr>
+            </a:gs>
+            <a:gs pos="50000">
+              <a:schemeClr val="phClr">
+                <a:tint val="98000"/>
+                <a:satMod val="130000"/>
+                <a:shade val="90000"/>
+                <a:lumMod val="103000"/>
+              </a:schemeClr>
+            </a:gs>
+            <a:gs pos="100000">
+              <a:schemeClr val="phClr">
+                <a:shade val="63000"/>
+                <a:satMod val="120000"/>
+              </a:schemeClr>
+            </a:gs>
+          </a:gsLst>
+          <a:lin ang="5400000" scaled="0"/>
+        </a:gradFill>
+      </a:bgFillStyleLst>
+    </a:fmtScheme>
+  </a:themeElements>
+  <a:objectDefaults>
+    <a:lnDef>
+      <a:spPr/>
+      <a:bodyPr/>
+      <a:lstStyle/>
+      <a:style>
+        <a:lnRef idx="2">
+          <a:schemeClr val="accent1"/>
+        </a:lnRef>
+        <a:fillRef idx="0">
+          <a:schemeClr val="accent1"/>
+        </a:fillRef>
+        <a:effectRef idx="1">
+          <a:schemeClr val="accent1"/>
+        </a:effectRef>
+        <a:fontRef idx="minor">
+          <a:schemeClr val="tx1"/>
+        </a:fontRef>
+      </a:style>
+    </a:lnDef>
+  </a:objectDefaults>
+  <a:extraClrSchemeLst/>
+  <a:extLst>
+    <a:ext uri="{05A4C25C-085E-4340-85A3-A5531E510DB2}">
+      <thm15:themeFamily xmlns:thm15="http://schemas.microsoft.com/office/thememl/2012/main" name="Office Theme" id="{2E142A2C-CD16-42D6-873A-C26D2A0506FA}" vid="{1BDDFF52-6CD6-40A5-AB3C-68EB2F1E4D0A}"/>
+    </a:ext>
+  </a:extLst>
+</a:theme>
 </file>